--- a/9PVP - projekt.pptx
+++ b/9PVP - projekt.pptx
@@ -272,7 +272,7 @@
           <a:p>
             <a:fld id="{267CFC28-DD6E-434A-B5AD-2BC81FE591F8}" type="datetimeFigureOut">
               <a:rPr lang="cs-CZ" smtClean="0"/>
-              <a:t>23.08.2024</a:t>
+              <a:t>24.08.2024</a:t>
             </a:fld>
             <a:endParaRPr lang="cs-CZ"/>
           </a:p>
@@ -470,7 +470,7 @@
           <a:p>
             <a:fld id="{267CFC28-DD6E-434A-B5AD-2BC81FE591F8}" type="datetimeFigureOut">
               <a:rPr lang="cs-CZ" smtClean="0"/>
-              <a:t>23.08.2024</a:t>
+              <a:t>24.08.2024</a:t>
             </a:fld>
             <a:endParaRPr lang="cs-CZ"/>
           </a:p>
@@ -678,7 +678,7 @@
           <a:p>
             <a:fld id="{267CFC28-DD6E-434A-B5AD-2BC81FE591F8}" type="datetimeFigureOut">
               <a:rPr lang="cs-CZ" smtClean="0"/>
-              <a:t>23.08.2024</a:t>
+              <a:t>24.08.2024</a:t>
             </a:fld>
             <a:endParaRPr lang="cs-CZ"/>
           </a:p>
@@ -876,7 +876,7 @@
           <a:p>
             <a:fld id="{267CFC28-DD6E-434A-B5AD-2BC81FE591F8}" type="datetimeFigureOut">
               <a:rPr lang="cs-CZ" smtClean="0"/>
-              <a:t>23.08.2024</a:t>
+              <a:t>24.08.2024</a:t>
             </a:fld>
             <a:endParaRPr lang="cs-CZ"/>
           </a:p>
@@ -1151,7 +1151,7 @@
           <a:p>
             <a:fld id="{267CFC28-DD6E-434A-B5AD-2BC81FE591F8}" type="datetimeFigureOut">
               <a:rPr lang="cs-CZ" smtClean="0"/>
-              <a:t>23.08.2024</a:t>
+              <a:t>24.08.2024</a:t>
             </a:fld>
             <a:endParaRPr lang="cs-CZ"/>
           </a:p>
@@ -1416,7 +1416,7 @@
           <a:p>
             <a:fld id="{267CFC28-DD6E-434A-B5AD-2BC81FE591F8}" type="datetimeFigureOut">
               <a:rPr lang="cs-CZ" smtClean="0"/>
-              <a:t>23.08.2024</a:t>
+              <a:t>24.08.2024</a:t>
             </a:fld>
             <a:endParaRPr lang="cs-CZ"/>
           </a:p>
@@ -1828,7 +1828,7 @@
           <a:p>
             <a:fld id="{267CFC28-DD6E-434A-B5AD-2BC81FE591F8}" type="datetimeFigureOut">
               <a:rPr lang="cs-CZ" smtClean="0"/>
-              <a:t>23.08.2024</a:t>
+              <a:t>24.08.2024</a:t>
             </a:fld>
             <a:endParaRPr lang="cs-CZ"/>
           </a:p>
@@ -1969,7 +1969,7 @@
           <a:p>
             <a:fld id="{267CFC28-DD6E-434A-B5AD-2BC81FE591F8}" type="datetimeFigureOut">
               <a:rPr lang="cs-CZ" smtClean="0"/>
-              <a:t>23.08.2024</a:t>
+              <a:t>24.08.2024</a:t>
             </a:fld>
             <a:endParaRPr lang="cs-CZ"/>
           </a:p>
@@ -2082,7 +2082,7 @@
           <a:p>
             <a:fld id="{267CFC28-DD6E-434A-B5AD-2BC81FE591F8}" type="datetimeFigureOut">
               <a:rPr lang="cs-CZ" smtClean="0"/>
-              <a:t>23.08.2024</a:t>
+              <a:t>24.08.2024</a:t>
             </a:fld>
             <a:endParaRPr lang="cs-CZ"/>
           </a:p>
@@ -2393,7 +2393,7 @@
           <a:p>
             <a:fld id="{267CFC28-DD6E-434A-B5AD-2BC81FE591F8}" type="datetimeFigureOut">
               <a:rPr lang="cs-CZ" smtClean="0"/>
-              <a:t>23.08.2024</a:t>
+              <a:t>24.08.2024</a:t>
             </a:fld>
             <a:endParaRPr lang="cs-CZ"/>
           </a:p>
@@ -2681,7 +2681,7 @@
           <a:p>
             <a:fld id="{267CFC28-DD6E-434A-B5AD-2BC81FE591F8}" type="datetimeFigureOut">
               <a:rPr lang="cs-CZ" smtClean="0"/>
-              <a:t>23.08.2024</a:t>
+              <a:t>24.08.2024</a:t>
             </a:fld>
             <a:endParaRPr lang="cs-CZ"/>
           </a:p>
@@ -2922,7 +2922,7 @@
           <a:p>
             <a:fld id="{267CFC28-DD6E-434A-B5AD-2BC81FE591F8}" type="datetimeFigureOut">
               <a:rPr lang="cs-CZ" smtClean="0"/>
-              <a:t>23.08.2024</a:t>
+              <a:t>24.08.2024</a:t>
             </a:fld>
             <a:endParaRPr lang="cs-CZ"/>
           </a:p>
@@ -5768,8 +5768,13 @@
             </a:r>
             <a:r>
               <a:rPr lang="cs-CZ" sz="2400" dirty="0"/>
-              <a:t>“. Myšlenka spojení „zábavy“ se základními matematickými vztahy se mi velice líbí.</a:t>
-            </a:r>
+              <a:t>“. Myšlenka spojení „zábavy“ se základními matematickými vztahy mi přijde </a:t>
+            </a:r>
+            <a:r>
+              <a:rPr lang="cs-CZ" sz="2400"/>
+              <a:t>velice zajímavá.</a:t>
+            </a:r>
+            <a:endParaRPr lang="cs-CZ" sz="2400" dirty="0"/>
           </a:p>
           <a:p>
             <a:pPr algn="just"/>

--- a/9PVP - projekt.pptx
+++ b/9PVP - projekt.pptx
@@ -4016,7 +4016,7 @@
             </a:r>
             <a:r>
               <a:rPr lang="cs-CZ" sz="2700" dirty="0"/>
-              <a:t> ty </a:t>
+              <a:t> i ty </a:t>
             </a:r>
             <a:r>
               <a:rPr lang="cs-CZ" sz="2700" b="1" dirty="0"/>
@@ -4024,7 +4024,7 @@
             </a:r>
             <a:r>
               <a:rPr lang="cs-CZ" sz="2700" dirty="0"/>
-              <a:t> potenciální pohyby svého soupeře. Díky předpovědi soupeřovy ideální hry dokáže tento algoritmus predikovat všechny potenciální vývoje hry, a vybrat tak ten </a:t>
+              <a:t> potenciální pohyby svého soupeře. I díky předpovědi soupeřovy ideální hry dokáže tento algoritmus efektivně predikovat všechny potenciální vývoje hry, a vybrat tak ten </a:t>
             </a:r>
             <a:r>
               <a:rPr lang="cs-CZ" sz="2700" b="1" dirty="0"/>
@@ -7877,7 +7877,7 @@
             </a:pPr>
             <a:r>
               <a:rPr lang="cs-CZ" sz="2000" dirty="0"/>
-              <a:t>Algoritmus použitý v implementaci hry piškvorky s názvem „piskvorky._minimax.py“ se nazývá „minimax“. Ten je doplněn o optimalizační algoritmus s názvem „</a:t>
+              <a:t>Algoritmus použitý v implementaci hry piškvorky s názvem „piskvorky._minimax.py“ se nazývá „minimax“. Ten je doplněn o ukázku implementace optimalizačního algoritmu s názvem „</a:t>
             </a:r>
             <a:r>
               <a:rPr lang="cs-CZ" sz="2000" dirty="0" err="1"/>
